--- a/drafts/1200x675.pptx
+++ b/drafts/1200x675.pptx
@@ -104,6 +104,11 @@
       </a:defRPr>
     </a:lvl9pPr>
   </p:defaultTextStyle>
+  <p:extLst>
+    <p:ext uri="{EFAFB233-063F-42B5-8137-9DF3F51BA10A}">
+      <p15:sldGuideLst xmlns:p15="http://schemas.microsoft.com/office/powerpoint/2012/main"/>
+    </p:ext>
+  </p:extLst>
 </p:presentation>
 </file>
 
@@ -254,7 +259,7 @@
           <a:p>
             <a:fld id="{A7241F81-3603-4DB5-9239-49014A35A5A8}" type="datetimeFigureOut">
               <a:rPr lang="en-US" smtClean="0"/>
-              <a:t>4/27/2018</a:t>
+              <a:t>5/3/2018</a:t>
             </a:fld>
             <a:endParaRPr lang="en-US"/>
           </a:p>
@@ -452,7 +457,7 @@
           <a:p>
             <a:fld id="{A7241F81-3603-4DB5-9239-49014A35A5A8}" type="datetimeFigureOut">
               <a:rPr lang="en-US" smtClean="0"/>
-              <a:t>4/27/2018</a:t>
+              <a:t>5/3/2018</a:t>
             </a:fld>
             <a:endParaRPr lang="en-US"/>
           </a:p>
@@ -660,7 +665,7 @@
           <a:p>
             <a:fld id="{A7241F81-3603-4DB5-9239-49014A35A5A8}" type="datetimeFigureOut">
               <a:rPr lang="en-US" smtClean="0"/>
-              <a:t>4/27/2018</a:t>
+              <a:t>5/3/2018</a:t>
             </a:fld>
             <a:endParaRPr lang="en-US"/>
           </a:p>
@@ -858,7 +863,7 @@
           <a:p>
             <a:fld id="{A7241F81-3603-4DB5-9239-49014A35A5A8}" type="datetimeFigureOut">
               <a:rPr lang="en-US" smtClean="0"/>
-              <a:t>4/27/2018</a:t>
+              <a:t>5/3/2018</a:t>
             </a:fld>
             <a:endParaRPr lang="en-US"/>
           </a:p>
@@ -1133,7 +1138,7 @@
           <a:p>
             <a:fld id="{A7241F81-3603-4DB5-9239-49014A35A5A8}" type="datetimeFigureOut">
               <a:rPr lang="en-US" smtClean="0"/>
-              <a:t>4/27/2018</a:t>
+              <a:t>5/3/2018</a:t>
             </a:fld>
             <a:endParaRPr lang="en-US"/>
           </a:p>
@@ -1398,7 +1403,7 @@
           <a:p>
             <a:fld id="{A7241F81-3603-4DB5-9239-49014A35A5A8}" type="datetimeFigureOut">
               <a:rPr lang="en-US" smtClean="0"/>
-              <a:t>4/27/2018</a:t>
+              <a:t>5/3/2018</a:t>
             </a:fld>
             <a:endParaRPr lang="en-US"/>
           </a:p>
@@ -1810,7 +1815,7 @@
           <a:p>
             <a:fld id="{A7241F81-3603-4DB5-9239-49014A35A5A8}" type="datetimeFigureOut">
               <a:rPr lang="en-US" smtClean="0"/>
-              <a:t>4/27/2018</a:t>
+              <a:t>5/3/2018</a:t>
             </a:fld>
             <a:endParaRPr lang="en-US"/>
           </a:p>
@@ -1951,7 +1956,7 @@
           <a:p>
             <a:fld id="{A7241F81-3603-4DB5-9239-49014A35A5A8}" type="datetimeFigureOut">
               <a:rPr lang="en-US" smtClean="0"/>
-              <a:t>4/27/2018</a:t>
+              <a:t>5/3/2018</a:t>
             </a:fld>
             <a:endParaRPr lang="en-US"/>
           </a:p>
@@ -2064,7 +2069,7 @@
           <a:p>
             <a:fld id="{A7241F81-3603-4DB5-9239-49014A35A5A8}" type="datetimeFigureOut">
               <a:rPr lang="en-US" smtClean="0"/>
-              <a:t>4/27/2018</a:t>
+              <a:t>5/3/2018</a:t>
             </a:fld>
             <a:endParaRPr lang="en-US"/>
           </a:p>
@@ -2375,7 +2380,7 @@
           <a:p>
             <a:fld id="{A7241F81-3603-4DB5-9239-49014A35A5A8}" type="datetimeFigureOut">
               <a:rPr lang="en-US" smtClean="0"/>
-              <a:t>4/27/2018</a:t>
+              <a:t>5/3/2018</a:t>
             </a:fld>
             <a:endParaRPr lang="en-US"/>
           </a:p>
@@ -2663,7 +2668,7 @@
           <a:p>
             <a:fld id="{A7241F81-3603-4DB5-9239-49014A35A5A8}" type="datetimeFigureOut">
               <a:rPr lang="en-US" smtClean="0"/>
-              <a:t>4/27/2018</a:t>
+              <a:t>5/3/2018</a:t>
             </a:fld>
             <a:endParaRPr lang="en-US"/>
           </a:p>
@@ -2904,7 +2909,7 @@
           <a:p>
             <a:fld id="{A7241F81-3603-4DB5-9239-49014A35A5A8}" type="datetimeFigureOut">
               <a:rPr lang="en-US" smtClean="0"/>
-              <a:t>4/27/2018</a:t>
+              <a:t>5/3/2018</a:t>
             </a:fld>
             <a:endParaRPr lang="en-US"/>
           </a:p>
@@ -3307,6 +3312,17 @@
 <file path=ppt/slides/slide1.xml><?xml version="1.0" encoding="utf-8"?>
 <p:sld xmlns:a="http://schemas.openxmlformats.org/drawingml/2006/main" xmlns:r="http://schemas.openxmlformats.org/officeDocument/2006/relationships" xmlns:p="http://schemas.openxmlformats.org/presentationml/2006/main">
   <p:cSld>
+    <p:bg>
+      <p:bgPr>
+        <a:solidFill>
+          <a:schemeClr val="bg1">
+            <a:tint val="95000"/>
+            <a:satMod val="170000"/>
+          </a:schemeClr>
+        </a:solidFill>
+        <a:effectLst/>
+      </p:bgPr>
+    </p:bg>
     <p:spTree>
       <p:nvGrpSpPr>
         <p:cNvPr id="1" name=""/>
@@ -3323,51 +3339,339 @@
       </p:grpSpPr>
       <p:sp>
         <p:nvSpPr>
-          <p:cNvPr id="2" name="Title 1">
-            <a:extLst>
-              <a:ext uri="{FF2B5EF4-FFF2-40B4-BE49-F238E27FC236}">
-                <a16:creationId xmlns:a16="http://schemas.microsoft.com/office/drawing/2014/main" id="{7FDA4395-BFB8-4A00-B385-DF43693359E1}"/>
-              </a:ext>
-            </a:extLst>
-          </p:cNvPr>
-          <p:cNvSpPr>
-            <a:spLocks noGrp="1"/>
-          </p:cNvSpPr>
-          <p:nvPr>
-            <p:ph type="ctrTitle"/>
-          </p:nvPr>
-        </p:nvSpPr>
-        <p:spPr/>
-        <p:txBody>
-          <a:bodyPr/>
-          <a:lstStyle/>
-          <a:p>
-            <a:endParaRPr lang="en-US"/>
-          </a:p>
-        </p:txBody>
-      </p:sp>
-      <p:sp>
-        <p:nvSpPr>
-          <p:cNvPr id="3" name="Subtitle 2">
-            <a:extLst>
-              <a:ext uri="{FF2B5EF4-FFF2-40B4-BE49-F238E27FC236}">
-                <a16:creationId xmlns:a16="http://schemas.microsoft.com/office/drawing/2014/main" id="{1F4B08C1-4A1D-41DF-AE70-79711B7F726F}"/>
-              </a:ext>
-            </a:extLst>
-          </p:cNvPr>
-          <p:cNvSpPr>
-            <a:spLocks noGrp="1"/>
-          </p:cNvSpPr>
-          <p:nvPr>
-            <p:ph type="subTitle" idx="1"/>
-          </p:nvPr>
-        </p:nvSpPr>
-        <p:spPr/>
-        <p:txBody>
-          <a:bodyPr/>
-          <a:lstStyle/>
-          <a:p>
-            <a:endParaRPr lang="en-US"/>
+          <p:cNvPr id="135" name="Freeform: Shape 134">
+            <a:extLst>
+              <a:ext uri="{FF2B5EF4-FFF2-40B4-BE49-F238E27FC236}">
+                <a16:creationId xmlns:a16="http://schemas.microsoft.com/office/drawing/2014/main" id="{E26B9EF5-5D92-4AC7-BC55-FC5C4C98ED4C}"/>
+              </a:ext>
+            </a:extLst>
+          </p:cNvPr>
+          <p:cNvSpPr>
+            <a:spLocks noGrp="1" noRot="1" noChangeAspect="1" noMove="1" noResize="1" noEditPoints="1" noAdjustHandles="1" noChangeArrowheads="1" noChangeShapeType="1" noTextEdit="1"/>
+          </p:cNvSpPr>
+          <p:nvPr>
+            <p:extLst>
+              <p:ext uri="{386F3935-93C4-4BCD-93E2-E3B085C9AB24}">
+                <p16:designElem xmlns:p16="http://schemas.microsoft.com/office/powerpoint/2015/main" val="1"/>
+              </p:ext>
+            </p:extLst>
+          </p:nvPr>
+        </p:nvSpPr>
+        <p:spPr>
+          <a:xfrm>
+            <a:off x="3476199" y="548"/>
+            <a:ext cx="4349752" cy="3142889"/>
+          </a:xfrm>
+          <a:custGeom>
+            <a:avLst/>
+            <a:gdLst>
+              <a:gd name="connsiteX0" fmla="*/ 229420 w 4349752"/>
+              <a:gd name="connsiteY0" fmla="*/ 0 h 3142889"/>
+              <a:gd name="connsiteX1" fmla="*/ 4120333 w 4349752"/>
+              <a:gd name="connsiteY1" fmla="*/ 0 h 3142889"/>
+              <a:gd name="connsiteX2" fmla="*/ 4178840 w 4349752"/>
+              <a:gd name="connsiteY2" fmla="*/ 121453 h 3142889"/>
+              <a:gd name="connsiteX3" fmla="*/ 4349752 w 4349752"/>
+              <a:gd name="connsiteY3" fmla="*/ 968013 h 3142889"/>
+              <a:gd name="connsiteX4" fmla="*/ 2174876 w 4349752"/>
+              <a:gd name="connsiteY4" fmla="*/ 3142889 h 3142889"/>
+              <a:gd name="connsiteX5" fmla="*/ 0 w 4349752"/>
+              <a:gd name="connsiteY5" fmla="*/ 968013 h 3142889"/>
+              <a:gd name="connsiteX6" fmla="*/ 170913 w 4349752"/>
+              <a:gd name="connsiteY6" fmla="*/ 121453 h 3142889"/>
+            </a:gdLst>
+            <a:ahLst/>
+            <a:cxnLst>
+              <a:cxn ang="0">
+                <a:pos x="connsiteX0" y="connsiteY0"/>
+              </a:cxn>
+              <a:cxn ang="0">
+                <a:pos x="connsiteX1" y="connsiteY1"/>
+              </a:cxn>
+              <a:cxn ang="0">
+                <a:pos x="connsiteX2" y="connsiteY2"/>
+              </a:cxn>
+              <a:cxn ang="0">
+                <a:pos x="connsiteX3" y="connsiteY3"/>
+              </a:cxn>
+              <a:cxn ang="0">
+                <a:pos x="connsiteX4" y="connsiteY4"/>
+              </a:cxn>
+              <a:cxn ang="0">
+                <a:pos x="connsiteX5" y="connsiteY5"/>
+              </a:cxn>
+              <a:cxn ang="0">
+                <a:pos x="connsiteX6" y="connsiteY6"/>
+              </a:cxn>
+            </a:cxnLst>
+            <a:rect l="l" t="t" r="r" b="b"/>
+            <a:pathLst>
+              <a:path w="4349752" h="3142889">
+                <a:moveTo>
+                  <a:pt x="229420" y="0"/>
+                </a:moveTo>
+                <a:lnTo>
+                  <a:pt x="4120333" y="0"/>
+                </a:lnTo>
+                <a:lnTo>
+                  <a:pt x="4178840" y="121453"/>
+                </a:lnTo>
+                <a:cubicBezTo>
+                  <a:pt x="4288894" y="381652"/>
+                  <a:pt x="4349752" y="667725"/>
+                  <a:pt x="4349752" y="968013"/>
+                </a:cubicBezTo>
+                <a:cubicBezTo>
+                  <a:pt x="4349752" y="2169164"/>
+                  <a:pt x="3376027" y="3142889"/>
+                  <a:pt x="2174876" y="3142889"/>
+                </a:cubicBezTo>
+                <a:cubicBezTo>
+                  <a:pt x="973725" y="3142889"/>
+                  <a:pt x="0" y="2169164"/>
+                  <a:pt x="0" y="968013"/>
+                </a:cubicBezTo>
+                <a:cubicBezTo>
+                  <a:pt x="0" y="667725"/>
+                  <a:pt x="60858" y="381652"/>
+                  <a:pt x="170913" y="121453"/>
+                </a:cubicBezTo>
+                <a:close/>
+              </a:path>
+            </a:pathLst>
+          </a:custGeom>
+          <a:solidFill>
+            <a:srgbClr val="FFFFFF">
+              <a:alpha val="80000"/>
+            </a:srgbClr>
+          </a:solidFill>
+          <a:ln>
+            <a:noFill/>
+          </a:ln>
+        </p:spPr>
+        <p:style>
+          <a:lnRef idx="2">
+            <a:schemeClr val="accent1">
+              <a:shade val="50000"/>
+            </a:schemeClr>
+          </a:lnRef>
+          <a:fillRef idx="1">
+            <a:schemeClr val="accent1"/>
+          </a:fillRef>
+          <a:effectRef idx="0">
+            <a:schemeClr val="accent1"/>
+          </a:effectRef>
+          <a:fontRef idx="minor">
+            <a:schemeClr val="lt1"/>
+          </a:fontRef>
+        </p:style>
+        <p:txBody>
+          <a:bodyPr rtlCol="0" anchor="ctr"/>
+          <a:lstStyle/>
+          <a:p>
+            <a:pPr marL="0" marR="0" lvl="0" indent="0" algn="ctr" defTabSz="914400" rtl="0" eaLnBrk="1" fontAlgn="auto" latinLnBrk="0" hangingPunct="1">
+              <a:lnSpc>
+                <a:spcPct val="100000"/>
+              </a:lnSpc>
+              <a:spcBef>
+                <a:spcPts val="0"/>
+              </a:spcBef>
+              <a:spcAft>
+                <a:spcPts val="0"/>
+              </a:spcAft>
+              <a:buClrTx/>
+              <a:buSzTx/>
+              <a:buFontTx/>
+              <a:buNone/>
+              <a:tabLst/>
+              <a:defRPr/>
+            </a:pPr>
+            <a:endParaRPr kumimoji="0" lang="en-US" sz="1800" b="0" i="0" u="none" strike="noStrike" kern="1200" cap="none" spc="0" normalizeH="0" baseline="0" noProof="0" dirty="0">
+              <a:ln>
+                <a:noFill/>
+              </a:ln>
+              <a:solidFill>
+                <a:prstClr val="white"/>
+              </a:solidFill>
+              <a:effectLst/>
+              <a:uLnTx/>
+              <a:uFillTx/>
+              <a:latin typeface="Calibri" panose="020F0502020204030204"/>
+              <a:ea typeface="+mn-ea"/>
+              <a:cs typeface="+mn-cs"/>
+            </a:endParaRPr>
+          </a:p>
+        </p:txBody>
+      </p:sp>
+      <p:sp>
+        <p:nvSpPr>
+          <p:cNvPr id="137" name="Freeform: Shape 136">
+            <a:extLst>
+              <a:ext uri="{FF2B5EF4-FFF2-40B4-BE49-F238E27FC236}">
+                <a16:creationId xmlns:a16="http://schemas.microsoft.com/office/drawing/2014/main" id="{F05C5575-0F07-43D0-AE78-81EAA8E67152}"/>
+              </a:ext>
+            </a:extLst>
+          </p:cNvPr>
+          <p:cNvSpPr>
+            <a:spLocks noGrp="1" noRot="1" noChangeAspect="1" noMove="1" noResize="1" noEditPoints="1" noAdjustHandles="1" noChangeArrowheads="1" noChangeShapeType="1" noTextEdit="1"/>
+          </p:cNvSpPr>
+          <p:nvPr>
+            <p:extLst>
+              <p:ext uri="{386F3935-93C4-4BCD-93E2-E3B085C9AB24}">
+                <p16:designElem xmlns:p16="http://schemas.microsoft.com/office/powerpoint/2015/main" val="1"/>
+              </p:ext>
+            </p:extLst>
+          </p:nvPr>
+        </p:nvSpPr>
+        <p:spPr>
+          <a:xfrm>
+            <a:off x="7653759" y="1421356"/>
+            <a:ext cx="4538241" cy="5436644"/>
+          </a:xfrm>
+          <a:custGeom>
+            <a:avLst/>
+            <a:gdLst>
+              <a:gd name="connsiteX0" fmla="*/ 3084645 w 4538241"/>
+              <a:gd name="connsiteY0" fmla="*/ 0 h 5436644"/>
+              <a:gd name="connsiteX1" fmla="*/ 4285328 w 4538241"/>
+              <a:gd name="connsiteY1" fmla="*/ 242407 h 5436644"/>
+              <a:gd name="connsiteX2" fmla="*/ 4538241 w 4538241"/>
+              <a:gd name="connsiteY2" fmla="*/ 364242 h 5436644"/>
+              <a:gd name="connsiteX3" fmla="*/ 4538241 w 4538241"/>
+              <a:gd name="connsiteY3" fmla="*/ 5436644 h 5436644"/>
+              <a:gd name="connsiteX4" fmla="*/ 1091428 w 4538241"/>
+              <a:gd name="connsiteY4" fmla="*/ 5436644 h 5436644"/>
+              <a:gd name="connsiteX5" fmla="*/ 903472 w 4538241"/>
+              <a:gd name="connsiteY5" fmla="*/ 5265818 h 5436644"/>
+              <a:gd name="connsiteX6" fmla="*/ 0 w 4538241"/>
+              <a:gd name="connsiteY6" fmla="*/ 3084645 h 5436644"/>
+              <a:gd name="connsiteX7" fmla="*/ 3084645 w 4538241"/>
+              <a:gd name="connsiteY7" fmla="*/ 0 h 5436644"/>
+            </a:gdLst>
+            <a:ahLst/>
+            <a:cxnLst>
+              <a:cxn ang="0">
+                <a:pos x="connsiteX0" y="connsiteY0"/>
+              </a:cxn>
+              <a:cxn ang="0">
+                <a:pos x="connsiteX1" y="connsiteY1"/>
+              </a:cxn>
+              <a:cxn ang="0">
+                <a:pos x="connsiteX2" y="connsiteY2"/>
+              </a:cxn>
+              <a:cxn ang="0">
+                <a:pos x="connsiteX3" y="connsiteY3"/>
+              </a:cxn>
+              <a:cxn ang="0">
+                <a:pos x="connsiteX4" y="connsiteY4"/>
+              </a:cxn>
+              <a:cxn ang="0">
+                <a:pos x="connsiteX5" y="connsiteY5"/>
+              </a:cxn>
+              <a:cxn ang="0">
+                <a:pos x="connsiteX6" y="connsiteY6"/>
+              </a:cxn>
+              <a:cxn ang="0">
+                <a:pos x="connsiteX7" y="connsiteY7"/>
+              </a:cxn>
+            </a:cxnLst>
+            <a:rect l="l" t="t" r="r" b="b"/>
+            <a:pathLst>
+              <a:path w="4538241" h="5436644">
+                <a:moveTo>
+                  <a:pt x="3084645" y="0"/>
+                </a:moveTo>
+                <a:cubicBezTo>
+                  <a:pt x="3510546" y="0"/>
+                  <a:pt x="3916286" y="86315"/>
+                  <a:pt x="4285328" y="242407"/>
+                </a:cubicBezTo>
+                <a:lnTo>
+                  <a:pt x="4538241" y="364242"/>
+                </a:lnTo>
+                <a:lnTo>
+                  <a:pt x="4538241" y="5436644"/>
+                </a:lnTo>
+                <a:lnTo>
+                  <a:pt x="1091428" y="5436644"/>
+                </a:lnTo>
+                <a:lnTo>
+                  <a:pt x="903472" y="5265818"/>
+                </a:lnTo>
+                <a:cubicBezTo>
+                  <a:pt x="345261" y="4707608"/>
+                  <a:pt x="0" y="3936446"/>
+                  <a:pt x="0" y="3084645"/>
+                </a:cubicBezTo>
+                <a:cubicBezTo>
+                  <a:pt x="0" y="1381043"/>
+                  <a:pt x="1381043" y="0"/>
+                  <a:pt x="3084645" y="0"/>
+                </a:cubicBezTo>
+                <a:close/>
+              </a:path>
+            </a:pathLst>
+          </a:custGeom>
+          <a:solidFill>
+            <a:srgbClr val="FFFFFF">
+              <a:alpha val="80000"/>
+            </a:srgbClr>
+          </a:solidFill>
+          <a:ln>
+            <a:noFill/>
+          </a:ln>
+        </p:spPr>
+        <p:style>
+          <a:lnRef idx="2">
+            <a:schemeClr val="accent1">
+              <a:shade val="50000"/>
+            </a:schemeClr>
+          </a:lnRef>
+          <a:fillRef idx="1">
+            <a:schemeClr val="accent1"/>
+          </a:fillRef>
+          <a:effectRef idx="0">
+            <a:schemeClr val="accent1"/>
+          </a:effectRef>
+          <a:fontRef idx="minor">
+            <a:schemeClr val="lt1"/>
+          </a:fontRef>
+        </p:style>
+        <p:txBody>
+          <a:bodyPr rtlCol="0" anchor="ctr"/>
+          <a:lstStyle/>
+          <a:p>
+            <a:pPr marL="0" marR="0" lvl="0" indent="0" algn="ctr" defTabSz="914400" rtl="0" eaLnBrk="1" fontAlgn="auto" latinLnBrk="0" hangingPunct="1">
+              <a:lnSpc>
+                <a:spcPct val="100000"/>
+              </a:lnSpc>
+              <a:spcBef>
+                <a:spcPts val="0"/>
+              </a:spcBef>
+              <a:spcAft>
+                <a:spcPts val="0"/>
+              </a:spcAft>
+              <a:buClrTx/>
+              <a:buSzTx/>
+              <a:buFontTx/>
+              <a:buNone/>
+              <a:tabLst/>
+              <a:defRPr/>
+            </a:pPr>
+            <a:endParaRPr kumimoji="0" lang="en-US" sz="1800" b="0" i="0" u="none" strike="noStrike" kern="1200" cap="none" spc="0" normalizeH="0" baseline="0" noProof="0" dirty="0">
+              <a:ln>
+                <a:noFill/>
+              </a:ln>
+              <a:solidFill>
+                <a:prstClr val="white"/>
+              </a:solidFill>
+              <a:effectLst/>
+              <a:uLnTx/>
+              <a:uFillTx/>
+              <a:latin typeface="Calibri" panose="020F0502020204030204"/>
+              <a:ea typeface="+mn-ea"/>
+              <a:cs typeface="+mn-cs"/>
+            </a:endParaRPr>
           </a:p>
         </p:txBody>
       </p:sp>
@@ -3385,7 +3689,7 @@
           </p:cNvPicPr>
           <p:nvPr/>
         </p:nvPicPr>
-        <p:blipFill>
+        <p:blipFill rotWithShape="1">
           <a:blip r:embed="rId2">
             <a:extLst>
               <a:ext uri="{28A0092B-C50C-407E-A947-70E740481C1C}">
@@ -3393,20 +3697,292 @@
               </a:ext>
             </a:extLst>
           </a:blip>
-          <a:stretch>
-            <a:fillRect/>
-          </a:stretch>
+          <a:srcRect t="12496" r="-4" b="13428"/>
+          <a:stretch/>
         </p:blipFill>
         <p:spPr>
           <a:xfrm>
-            <a:off x="10668000" y="5258040"/>
-            <a:ext cx="1390828" cy="1390828"/>
+            <a:off x="3639395" y="10"/>
+            <a:ext cx="4023360" cy="2980230"/>
           </a:xfrm>
-          <a:prstGeom prst="rect">
+          <a:custGeom>
             <a:avLst/>
-          </a:prstGeom>
+            <a:gdLst>
+              <a:gd name="connsiteX0" fmla="*/ 248676 w 4023360"/>
+              <a:gd name="connsiteY0" fmla="*/ 0 h 2980240"/>
+              <a:gd name="connsiteX1" fmla="*/ 3774684 w 4023360"/>
+              <a:gd name="connsiteY1" fmla="*/ 0 h 2980240"/>
+              <a:gd name="connsiteX2" fmla="*/ 3780561 w 4023360"/>
+              <a:gd name="connsiteY2" fmla="*/ 9674 h 2980240"/>
+              <a:gd name="connsiteX3" fmla="*/ 4023360 w 4023360"/>
+              <a:gd name="connsiteY3" fmla="*/ 968560 h 2980240"/>
+              <a:gd name="connsiteX4" fmla="*/ 2011680 w 4023360"/>
+              <a:gd name="connsiteY4" fmla="*/ 2980240 h 2980240"/>
+              <a:gd name="connsiteX5" fmla="*/ 0 w 4023360"/>
+              <a:gd name="connsiteY5" fmla="*/ 968560 h 2980240"/>
+              <a:gd name="connsiteX6" fmla="*/ 242799 w 4023360"/>
+              <a:gd name="connsiteY6" fmla="*/ 9674 h 2980240"/>
+            </a:gdLst>
+            <a:ahLst/>
+            <a:cxnLst>
+              <a:cxn ang="0">
+                <a:pos x="connsiteX0" y="connsiteY0"/>
+              </a:cxn>
+              <a:cxn ang="0">
+                <a:pos x="connsiteX1" y="connsiteY1"/>
+              </a:cxn>
+              <a:cxn ang="0">
+                <a:pos x="connsiteX2" y="connsiteY2"/>
+              </a:cxn>
+              <a:cxn ang="0">
+                <a:pos x="connsiteX3" y="connsiteY3"/>
+              </a:cxn>
+              <a:cxn ang="0">
+                <a:pos x="connsiteX4" y="connsiteY4"/>
+              </a:cxn>
+              <a:cxn ang="0">
+                <a:pos x="connsiteX5" y="connsiteY5"/>
+              </a:cxn>
+              <a:cxn ang="0">
+                <a:pos x="connsiteX6" y="connsiteY6"/>
+              </a:cxn>
+            </a:cxnLst>
+            <a:rect l="l" t="t" r="r" b="b"/>
+            <a:pathLst>
+              <a:path w="4023360" h="2980240">
+                <a:moveTo>
+                  <a:pt x="248676" y="0"/>
+                </a:moveTo>
+                <a:lnTo>
+                  <a:pt x="3774684" y="0"/>
+                </a:lnTo>
+                <a:lnTo>
+                  <a:pt x="3780561" y="9674"/>
+                </a:lnTo>
+                <a:cubicBezTo>
+                  <a:pt x="3935405" y="294716"/>
+                  <a:pt x="4023360" y="621366"/>
+                  <a:pt x="4023360" y="968560"/>
+                </a:cubicBezTo>
+                <a:cubicBezTo>
+                  <a:pt x="4023360" y="2079580"/>
+                  <a:pt x="3122700" y="2980240"/>
+                  <a:pt x="2011680" y="2980240"/>
+                </a:cubicBezTo>
+                <a:cubicBezTo>
+                  <a:pt x="900660" y="2980240"/>
+                  <a:pt x="0" y="2079580"/>
+                  <a:pt x="0" y="968560"/>
+                </a:cubicBezTo>
+                <a:cubicBezTo>
+                  <a:pt x="0" y="621366"/>
+                  <a:pt x="87955" y="294716"/>
+                  <a:pt x="242799" y="9674"/>
+                </a:cubicBezTo>
+                <a:close/>
+              </a:path>
+            </a:pathLst>
+          </a:custGeom>
         </p:spPr>
       </p:pic>
+      <p:pic>
+        <p:nvPicPr>
+          <p:cNvPr id="1026" name="Picture 2" descr="See the source image">
+            <a:extLst>
+              <a:ext uri="{FF2B5EF4-FFF2-40B4-BE49-F238E27FC236}">
+                <a16:creationId xmlns:a16="http://schemas.microsoft.com/office/drawing/2014/main" id="{6ECC8D0D-42ED-4D17-8030-6B8D73728887}"/>
+              </a:ext>
+            </a:extLst>
+          </p:cNvPr>
+          <p:cNvPicPr>
+            <a:picLocks noChangeAspect="1" noChangeArrowheads="1"/>
+          </p:cNvPicPr>
+          <p:nvPr/>
+        </p:nvPicPr>
+        <p:blipFill rotWithShape="1">
+          <a:blip r:embed="rId3">
+            <a:extLst>
+              <a:ext uri="{28A0092B-C50C-407E-A947-70E740481C1C}">
+                <a14:useLocalDpi xmlns:a14="http://schemas.microsoft.com/office/drawing/2010/main" val="0"/>
+              </a:ext>
+            </a:extLst>
+          </a:blip>
+          <a:srcRect r="16200" b="2"/>
+          <a:stretch/>
+        </p:blipFill>
+        <p:spPr bwMode="auto">
+          <a:xfrm>
+            <a:off x="7816897" y="1584494"/>
+            <a:ext cx="4375105" cy="5273507"/>
+          </a:xfrm>
+          <a:custGeom>
+            <a:avLst/>
+            <a:gdLst>
+              <a:gd name="connsiteX0" fmla="*/ 2921508 w 4375105"/>
+              <a:gd name="connsiteY0" fmla="*/ 0 h 5273507"/>
+              <a:gd name="connsiteX1" fmla="*/ 4314072 w 4375105"/>
+              <a:gd name="connsiteY1" fmla="*/ 352611 h 5273507"/>
+              <a:gd name="connsiteX2" fmla="*/ 4375105 w 4375105"/>
+              <a:gd name="connsiteY2" fmla="*/ 389689 h 5273507"/>
+              <a:gd name="connsiteX3" fmla="*/ 4375105 w 4375105"/>
+              <a:gd name="connsiteY3" fmla="*/ 5273507 h 5273507"/>
+              <a:gd name="connsiteX4" fmla="*/ 1193705 w 4375105"/>
+              <a:gd name="connsiteY4" fmla="*/ 5273507 h 5273507"/>
+              <a:gd name="connsiteX5" fmla="*/ 1063158 w 4375105"/>
+              <a:gd name="connsiteY5" fmla="*/ 5175886 h 5273507"/>
+              <a:gd name="connsiteX6" fmla="*/ 0 w 4375105"/>
+              <a:gd name="connsiteY6" fmla="*/ 2921508 h 5273507"/>
+              <a:gd name="connsiteX7" fmla="*/ 2921508 w 4375105"/>
+              <a:gd name="connsiteY7" fmla="*/ 0 h 5273507"/>
+            </a:gdLst>
+            <a:ahLst/>
+            <a:cxnLst>
+              <a:cxn ang="0">
+                <a:pos x="connsiteX0" y="connsiteY0"/>
+              </a:cxn>
+              <a:cxn ang="0">
+                <a:pos x="connsiteX1" y="connsiteY1"/>
+              </a:cxn>
+              <a:cxn ang="0">
+                <a:pos x="connsiteX2" y="connsiteY2"/>
+              </a:cxn>
+              <a:cxn ang="0">
+                <a:pos x="connsiteX3" y="connsiteY3"/>
+              </a:cxn>
+              <a:cxn ang="0">
+                <a:pos x="connsiteX4" y="connsiteY4"/>
+              </a:cxn>
+              <a:cxn ang="0">
+                <a:pos x="connsiteX5" y="connsiteY5"/>
+              </a:cxn>
+              <a:cxn ang="0">
+                <a:pos x="connsiteX6" y="connsiteY6"/>
+              </a:cxn>
+              <a:cxn ang="0">
+                <a:pos x="connsiteX7" y="connsiteY7"/>
+              </a:cxn>
+            </a:cxnLst>
+            <a:rect l="l" t="t" r="r" b="b"/>
+            <a:pathLst>
+              <a:path w="4375105" h="5273507">
+                <a:moveTo>
+                  <a:pt x="2921508" y="0"/>
+                </a:moveTo>
+                <a:cubicBezTo>
+                  <a:pt x="3425728" y="0"/>
+                  <a:pt x="3900114" y="127735"/>
+                  <a:pt x="4314072" y="352611"/>
+                </a:cubicBezTo>
+                <a:lnTo>
+                  <a:pt x="4375105" y="389689"/>
+                </a:lnTo>
+                <a:lnTo>
+                  <a:pt x="4375105" y="5273507"/>
+                </a:lnTo>
+                <a:lnTo>
+                  <a:pt x="1193705" y="5273507"/>
+                </a:lnTo>
+                <a:lnTo>
+                  <a:pt x="1063158" y="5175886"/>
+                </a:lnTo>
+                <a:cubicBezTo>
+                  <a:pt x="413861" y="4640038"/>
+                  <a:pt x="0" y="3829104"/>
+                  <a:pt x="0" y="2921508"/>
+                </a:cubicBezTo>
+                <a:cubicBezTo>
+                  <a:pt x="0" y="1308004"/>
+                  <a:pt x="1308004" y="0"/>
+                  <a:pt x="2921508" y="0"/>
+                </a:cubicBezTo>
+                <a:close/>
+              </a:path>
+            </a:pathLst>
+          </a:custGeom>
+          <a:noFill/>
+          <a:extLst>
+            <a:ext uri="{909E8E84-426E-40DD-AFC4-6F175D3DCCD1}">
+              <a14:hiddenFill xmlns:a14="http://schemas.microsoft.com/office/drawing/2010/main">
+                <a:solidFill>
+                  <a:srgbClr val="FFFFFF"/>
+                </a:solidFill>
+              </a14:hiddenFill>
+            </a:ext>
+          </a:extLst>
+        </p:spPr>
+      </p:pic>
+      <p:sp>
+        <p:nvSpPr>
+          <p:cNvPr id="2" name="Title 1">
+            <a:extLst>
+              <a:ext uri="{FF2B5EF4-FFF2-40B4-BE49-F238E27FC236}">
+                <a16:creationId xmlns:a16="http://schemas.microsoft.com/office/drawing/2014/main" id="{7FDA4395-BFB8-4A00-B385-DF43693359E1}"/>
+              </a:ext>
+            </a:extLst>
+          </p:cNvPr>
+          <p:cNvSpPr>
+            <a:spLocks noGrp="1"/>
+          </p:cNvSpPr>
+          <p:nvPr>
+            <p:ph type="ctrTitle"/>
+          </p:nvPr>
+        </p:nvSpPr>
+        <p:spPr>
+          <a:xfrm>
+            <a:off x="804672" y="4007335"/>
+            <a:ext cx="6455833" cy="1497998"/>
+          </a:xfrm>
+        </p:spPr>
+        <p:txBody>
+          <a:bodyPr anchor="t">
+            <a:normAutofit/>
+          </a:bodyPr>
+          <a:lstStyle/>
+          <a:p>
+            <a:pPr algn="l"/>
+            <a:r>
+              <a:rPr lang="en-US" sz="4800"/>
+              <a:t>Power Users Guide to Outlook 2016 Search</a:t>
+            </a:r>
+          </a:p>
+        </p:txBody>
+      </p:sp>
+      <p:sp>
+        <p:nvSpPr>
+          <p:cNvPr id="3" name="Subtitle 2">
+            <a:extLst>
+              <a:ext uri="{FF2B5EF4-FFF2-40B4-BE49-F238E27FC236}">
+                <a16:creationId xmlns:a16="http://schemas.microsoft.com/office/drawing/2014/main" id="{1F4B08C1-4A1D-41DF-AE70-79711B7F726F}"/>
+              </a:ext>
+            </a:extLst>
+          </p:cNvPr>
+          <p:cNvSpPr>
+            <a:spLocks noGrp="1"/>
+          </p:cNvSpPr>
+          <p:nvPr>
+            <p:ph type="subTitle" idx="1"/>
+          </p:nvPr>
+        </p:nvSpPr>
+        <p:spPr>
+          <a:xfrm>
+            <a:off x="804672" y="3288965"/>
+            <a:ext cx="6455833" cy="665853"/>
+          </a:xfrm>
+        </p:spPr>
+        <p:txBody>
+          <a:bodyPr anchor="b">
+            <a:normAutofit/>
+          </a:bodyPr>
+          <a:lstStyle/>
+          <a:p>
+            <a:pPr algn="l"/>
+            <a:r>
+              <a:rPr lang="en-US" sz="2000" dirty="0"/>
+              <a:t>Manage your inbox with ease with Microsoft Outlook 2016 search.</a:t>
+            </a:r>
+          </a:p>
+        </p:txBody>
+      </p:sp>
     </p:spTree>
     <p:extLst>
       <p:ext uri="{BB962C8B-B14F-4D97-AF65-F5344CB8AC3E}">
@@ -3415,7 +3991,7 @@
     </p:extLst>
   </p:cSld>
   <p:clrMapOvr>
-    <a:masterClrMapping/>
+    <a:overrideClrMapping bg1="dk1" tx1="lt1" bg2="dk2" tx2="lt2" accent1="accent1" accent2="accent2" accent3="accent3" accent4="accent4" accent5="accent5" accent6="accent6" hlink="hlink" folHlink="folHlink"/>
   </p:clrMapOvr>
 </p:sld>
 </file>
